--- a/Pitches/First Pitch/Research/Presentation Pitch for Racing Games.pptx
+++ b/Pitches/First Pitch/Research/Presentation Pitch for Racing Games.pptx
@@ -292,7 +292,7 @@
           <a:p>
             <a:fld id="{56804E9E-32EA-4773-A3DD-BCD45CE5B211}" type="datetimeFigureOut">
               <a:rPr lang="en-GB" smtClean="0"/>
-              <a:t>08/10/2017</a:t>
+              <a:t>09/10/2017</a:t>
             </a:fld>
             <a:endParaRPr lang="en-GB"/>
           </a:p>
@@ -462,7 +462,7 @@
           <a:p>
             <a:fld id="{56804E9E-32EA-4773-A3DD-BCD45CE5B211}" type="datetimeFigureOut">
               <a:rPr lang="en-GB" smtClean="0"/>
-              <a:t>08/10/2017</a:t>
+              <a:t>09/10/2017</a:t>
             </a:fld>
             <a:endParaRPr lang="en-GB"/>
           </a:p>
@@ -642,7 +642,7 @@
           <a:p>
             <a:fld id="{56804E9E-32EA-4773-A3DD-BCD45CE5B211}" type="datetimeFigureOut">
               <a:rPr lang="en-GB" smtClean="0"/>
-              <a:t>08/10/2017</a:t>
+              <a:t>09/10/2017</a:t>
             </a:fld>
             <a:endParaRPr lang="en-GB"/>
           </a:p>
@@ -812,7 +812,7 @@
           <a:p>
             <a:fld id="{56804E9E-32EA-4773-A3DD-BCD45CE5B211}" type="datetimeFigureOut">
               <a:rPr lang="en-GB" smtClean="0"/>
-              <a:t>08/10/2017</a:t>
+              <a:t>09/10/2017</a:t>
             </a:fld>
             <a:endParaRPr lang="en-GB"/>
           </a:p>
@@ -1058,7 +1058,7 @@
           <a:p>
             <a:fld id="{56804E9E-32EA-4773-A3DD-BCD45CE5B211}" type="datetimeFigureOut">
               <a:rPr lang="en-GB" smtClean="0"/>
-              <a:t>08/10/2017</a:t>
+              <a:t>09/10/2017</a:t>
             </a:fld>
             <a:endParaRPr lang="en-GB"/>
           </a:p>
@@ -1346,7 +1346,7 @@
           <a:p>
             <a:fld id="{56804E9E-32EA-4773-A3DD-BCD45CE5B211}" type="datetimeFigureOut">
               <a:rPr lang="en-GB" smtClean="0"/>
-              <a:t>08/10/2017</a:t>
+              <a:t>09/10/2017</a:t>
             </a:fld>
             <a:endParaRPr lang="en-GB"/>
           </a:p>
@@ -1768,7 +1768,7 @@
           <a:p>
             <a:fld id="{56804E9E-32EA-4773-A3DD-BCD45CE5B211}" type="datetimeFigureOut">
               <a:rPr lang="en-GB" smtClean="0"/>
-              <a:t>08/10/2017</a:t>
+              <a:t>09/10/2017</a:t>
             </a:fld>
             <a:endParaRPr lang="en-GB"/>
           </a:p>
@@ -1886,7 +1886,7 @@
           <a:p>
             <a:fld id="{56804E9E-32EA-4773-A3DD-BCD45CE5B211}" type="datetimeFigureOut">
               <a:rPr lang="en-GB" smtClean="0"/>
-              <a:t>08/10/2017</a:t>
+              <a:t>09/10/2017</a:t>
             </a:fld>
             <a:endParaRPr lang="en-GB"/>
           </a:p>
@@ -1981,7 +1981,7 @@
           <a:p>
             <a:fld id="{56804E9E-32EA-4773-A3DD-BCD45CE5B211}" type="datetimeFigureOut">
               <a:rPr lang="en-GB" smtClean="0"/>
-              <a:t>08/10/2017</a:t>
+              <a:t>09/10/2017</a:t>
             </a:fld>
             <a:endParaRPr lang="en-GB"/>
           </a:p>
@@ -2258,7 +2258,7 @@
           <a:p>
             <a:fld id="{56804E9E-32EA-4773-A3DD-BCD45CE5B211}" type="datetimeFigureOut">
               <a:rPr lang="en-GB" smtClean="0"/>
-              <a:t>08/10/2017</a:t>
+              <a:t>09/10/2017</a:t>
             </a:fld>
             <a:endParaRPr lang="en-GB"/>
           </a:p>
@@ -2511,7 +2511,7 @@
           <a:p>
             <a:fld id="{56804E9E-32EA-4773-A3DD-BCD45CE5B211}" type="datetimeFigureOut">
               <a:rPr lang="en-GB" smtClean="0"/>
-              <a:t>08/10/2017</a:t>
+              <a:t>09/10/2017</a:t>
             </a:fld>
             <a:endParaRPr lang="en-GB"/>
           </a:p>
@@ -2724,7 +2724,7 @@
           <a:p>
             <a:fld id="{56804E9E-32EA-4773-A3DD-BCD45CE5B211}" type="datetimeFigureOut">
               <a:rPr lang="en-GB" smtClean="0"/>
-              <a:t>08/10/2017</a:t>
+              <a:t>09/10/2017</a:t>
             </a:fld>
             <a:endParaRPr lang="en-GB"/>
           </a:p>
@@ -4029,14 +4029,7 @@
                 <a:latin typeface="Times New Roman" panose="02020603050405020304" pitchFamily="18" charset="0"/>
                 <a:cs typeface="Times New Roman" panose="02020603050405020304" pitchFamily="18" charset="0"/>
               </a:rPr>
-              <a:t>) </a:t>
-            </a:r>
-            <a:r>
-              <a:rPr lang="en-GB" sz="2000" dirty="0" smtClean="0">
-                <a:latin typeface="Times New Roman" panose="02020603050405020304" pitchFamily="18" charset="0"/>
-                <a:cs typeface="Times New Roman" panose="02020603050405020304" pitchFamily="18" charset="0"/>
-              </a:rPr>
-              <a:t>and risen to $30.3 billion in 2015 (Lofgren)</a:t>
+              <a:t>) and risen to $30.3 billion in 2015 (Lofgren)</a:t>
             </a:r>
           </a:p>
           <a:p>
@@ -4100,25 +4093,35 @@
           </a:p>
         </p:txBody>
       </p:sp>
-      <p:sp>
-        <p:nvSpPr>
-          <p:cNvPr id="3" name="Content Placeholder 2"/>
-          <p:cNvSpPr>
-            <a:spLocks noGrp="1"/>
-          </p:cNvSpPr>
+      <p:pic>
+        <p:nvPicPr>
+          <p:cNvPr id="4" name="Content Placeholder 3"/>
+          <p:cNvPicPr>
+            <a:picLocks noGrp="1" noChangeAspect="1"/>
+          </p:cNvPicPr>
           <p:nvPr>
             <p:ph idx="1"/>
           </p:nvPr>
-        </p:nvSpPr>
-        <p:spPr/>
-        <p:txBody>
-          <a:bodyPr/>
-          <a:lstStyle/>
-          <a:p>
-            <a:endParaRPr lang="en-GB"/>
-          </a:p>
-        </p:txBody>
-      </p:sp>
+        </p:nvPicPr>
+        <p:blipFill>
+          <a:blip r:embed="rId2" cstate="print">
+            <a:extLst>
+              <a:ext uri="{28A0092B-C50C-407E-A947-70E740481C1C}">
+                <a14:useLocalDpi xmlns:a14="http://schemas.microsoft.com/office/drawing/2010/main" val="0"/>
+              </a:ext>
+            </a:extLst>
+          </a:blip>
+          <a:stretch>
+            <a:fillRect/>
+          </a:stretch>
+        </p:blipFill>
+        <p:spPr>
+          <a:xfrm>
+            <a:off x="1403648" y="1628800"/>
+            <a:ext cx="6402048" cy="4525963"/>
+          </a:xfrm>
+        </p:spPr>
+      </p:pic>
     </p:spTree>
     <p:extLst>
       <p:ext uri="{BB962C8B-B14F-4D97-AF65-F5344CB8AC3E}">
